--- a/week3_unixIII/week3.pptx
+++ b/week3_unixIII/week3.pptx
@@ -225,7 +225,7 @@
           <a:p>
             <a:fld id="{F46E92BA-4986-6545-AA2F-FF0D9979F354}" type="datetimeFigureOut">
               <a:rPr lang="en-US" smtClean="0"/>
-              <a:t>9/12/23</a:t>
+              <a:t>9/10/24</a:t>
             </a:fld>
             <a:endParaRPr lang="en-US"/>
           </a:p>
@@ -839,7 +839,7 @@
           <a:p>
             <a:fld id="{D6B02DD5-695F-3C48-80EE-AEFF2C4CC0DE}" type="datetimeFigureOut">
               <a:rPr lang="en-US" smtClean="0"/>
-              <a:t>9/12/23</a:t>
+              <a:t>9/10/24</a:t>
             </a:fld>
             <a:endParaRPr lang="en-US"/>
           </a:p>
@@ -1007,7 +1007,7 @@
           <a:p>
             <a:fld id="{D6B02DD5-695F-3C48-80EE-AEFF2C4CC0DE}" type="datetimeFigureOut">
               <a:rPr lang="en-US" smtClean="0"/>
-              <a:t>9/12/23</a:t>
+              <a:t>9/10/24</a:t>
             </a:fld>
             <a:endParaRPr lang="en-US"/>
           </a:p>
@@ -1185,7 +1185,7 @@
           <a:p>
             <a:fld id="{D6B02DD5-695F-3C48-80EE-AEFF2C4CC0DE}" type="datetimeFigureOut">
               <a:rPr lang="en-US" smtClean="0"/>
-              <a:t>9/12/23</a:t>
+              <a:t>9/10/24</a:t>
             </a:fld>
             <a:endParaRPr lang="en-US"/>
           </a:p>
@@ -1353,7 +1353,7 @@
           <a:p>
             <a:fld id="{D6B02DD5-695F-3C48-80EE-AEFF2C4CC0DE}" type="datetimeFigureOut">
               <a:rPr lang="en-US" smtClean="0"/>
-              <a:t>9/12/23</a:t>
+              <a:t>9/10/24</a:t>
             </a:fld>
             <a:endParaRPr lang="en-US"/>
           </a:p>
@@ -1598,7 +1598,7 @@
           <a:p>
             <a:fld id="{D6B02DD5-695F-3C48-80EE-AEFF2C4CC0DE}" type="datetimeFigureOut">
               <a:rPr lang="en-US" smtClean="0"/>
-              <a:t>9/12/23</a:t>
+              <a:t>9/10/24</a:t>
             </a:fld>
             <a:endParaRPr lang="en-US"/>
           </a:p>
@@ -1883,7 +1883,7 @@
           <a:p>
             <a:fld id="{D6B02DD5-695F-3C48-80EE-AEFF2C4CC0DE}" type="datetimeFigureOut">
               <a:rPr lang="en-US" smtClean="0"/>
-              <a:t>9/12/23</a:t>
+              <a:t>9/10/24</a:t>
             </a:fld>
             <a:endParaRPr lang="en-US"/>
           </a:p>
@@ -2302,7 +2302,7 @@
           <a:p>
             <a:fld id="{D6B02DD5-695F-3C48-80EE-AEFF2C4CC0DE}" type="datetimeFigureOut">
               <a:rPr lang="en-US" smtClean="0"/>
-              <a:t>9/12/23</a:t>
+              <a:t>9/10/24</a:t>
             </a:fld>
             <a:endParaRPr lang="en-US"/>
           </a:p>
@@ -2419,7 +2419,7 @@
           <a:p>
             <a:fld id="{D6B02DD5-695F-3C48-80EE-AEFF2C4CC0DE}" type="datetimeFigureOut">
               <a:rPr lang="en-US" smtClean="0"/>
-              <a:t>9/12/23</a:t>
+              <a:t>9/10/24</a:t>
             </a:fld>
             <a:endParaRPr lang="en-US"/>
           </a:p>
@@ -2514,7 +2514,7 @@
           <a:p>
             <a:fld id="{D6B02DD5-695F-3C48-80EE-AEFF2C4CC0DE}" type="datetimeFigureOut">
               <a:rPr lang="en-US" smtClean="0"/>
-              <a:t>9/12/23</a:t>
+              <a:t>9/10/24</a:t>
             </a:fld>
             <a:endParaRPr lang="en-US"/>
           </a:p>
@@ -2789,7 +2789,7 @@
           <a:p>
             <a:fld id="{D6B02DD5-695F-3C48-80EE-AEFF2C4CC0DE}" type="datetimeFigureOut">
               <a:rPr lang="en-US" smtClean="0"/>
-              <a:t>9/12/23</a:t>
+              <a:t>9/10/24</a:t>
             </a:fld>
             <a:endParaRPr lang="en-US"/>
           </a:p>
@@ -3041,7 +3041,7 @@
           <a:p>
             <a:fld id="{D6B02DD5-695F-3C48-80EE-AEFF2C4CC0DE}" type="datetimeFigureOut">
               <a:rPr lang="en-US" smtClean="0"/>
-              <a:t>9/12/23</a:t>
+              <a:t>9/10/24</a:t>
             </a:fld>
             <a:endParaRPr lang="en-US"/>
           </a:p>
@@ -3252,7 +3252,7 @@
           <a:p>
             <a:fld id="{D6B02DD5-695F-3C48-80EE-AEFF2C4CC0DE}" type="datetimeFigureOut">
               <a:rPr lang="en-US" smtClean="0"/>
-              <a:t>9/12/23</a:t>
+              <a:t>9/10/24</a:t>
             </a:fld>
             <a:endParaRPr lang="en-US"/>
           </a:p>
@@ -6737,7 +6737,7 @@
         <p:spPr>
           <a:xfrm>
             <a:off x="482545" y="1149440"/>
-            <a:ext cx="8334883" cy="2246769"/>
+            <a:ext cx="8334883" cy="2092881"/>
           </a:xfrm>
           <a:prstGeom prst="rect">
             <a:avLst/>
@@ -6751,10 +6751,16 @@
           <a:lstStyle/>
           <a:p>
             <a:r>
+              <a:rPr lang="en-US" sz="2000" b="1" dirty="0">
+                <a:latin typeface="Helvetica Light" panose="020B0403020202020204" pitchFamily="34" charset="0"/>
+              </a:rPr>
+              <a:t>1</a:t>
+            </a:r>
+            <a:r>
               <a:rPr lang="en-US" sz="2000" dirty="0">
                 <a:latin typeface="Helvetica Light" panose="020B0403020202020204" pitchFamily="34" charset="0"/>
               </a:rPr>
-              <a:t>1. Save the commands you want to execute in a file, </a:t>
+              <a:t>. Save the commands you want to execute in a file, </a:t>
             </a:r>
             <a:r>
               <a:rPr lang="en-US" sz="2000" dirty="0" err="1">
@@ -6806,25 +6812,25 @@
             </a:r>
           </a:p>
           <a:p>
-            <a:endParaRPr lang="en-US" sz="2000" dirty="0">
+            <a:endParaRPr lang="en-US" dirty="0">
               <a:latin typeface="Helvetica Light" panose="020B0403020202020204" pitchFamily="34" charset="0"/>
             </a:endParaRPr>
           </a:p>
           <a:p>
             <a:r>
-              <a:rPr lang="en-US" sz="2000" b="1" dirty="0">
+              <a:rPr lang="en-US" b="1" dirty="0">
                 <a:latin typeface="Helvetica Light" panose="020B0403020202020204" pitchFamily="34" charset="0"/>
               </a:rPr>
               <a:t>$ source </a:t>
             </a:r>
             <a:r>
-              <a:rPr lang="en-US" sz="2000" b="1" dirty="0" err="1">
+              <a:rPr lang="en-US" b="1" dirty="0" err="1">
                 <a:latin typeface="Helvetica Light" panose="020B0403020202020204" pitchFamily="34" charset="0"/>
               </a:rPr>
               <a:t>commands.txt</a:t>
             </a:r>
             <a:r>
-              <a:rPr lang="en-US" sz="2000" b="1" dirty="0">
+              <a:rPr lang="en-US" b="1" dirty="0">
                 <a:latin typeface="Helvetica Light" panose="020B0403020202020204" pitchFamily="34" charset="0"/>
               </a:rPr>
               <a:t>        OR</a:t>
@@ -6832,32 +6838,44 @@
           </a:p>
           <a:p>
             <a:r>
-              <a:rPr lang="en-US" sz="2000" b="1" dirty="0">
+              <a:rPr lang="en-US" b="1" dirty="0">
                 <a:latin typeface="Helvetica Light" panose="020B0403020202020204" pitchFamily="34" charset="0"/>
               </a:rPr>
               <a:t>$ bash </a:t>
             </a:r>
             <a:r>
-              <a:rPr lang="en-US" sz="2000" b="1" dirty="0" err="1">
+              <a:rPr lang="en-US" b="1" dirty="0" err="1">
                 <a:latin typeface="Helvetica Light" panose="020B0403020202020204" pitchFamily="34" charset="0"/>
               </a:rPr>
               <a:t>commands.txt</a:t>
             </a:r>
-            <a:endParaRPr lang="en-US" sz="2000" b="1" dirty="0">
+            <a:endParaRPr lang="en-US" b="1" dirty="0">
               <a:latin typeface="Helvetica Light" panose="020B0403020202020204" pitchFamily="34" charset="0"/>
             </a:endParaRPr>
           </a:p>
           <a:p>
-            <a:endParaRPr lang="en-US" sz="2000" dirty="0">
+            <a:endParaRPr lang="en-US" dirty="0">
               <a:latin typeface="Helvetica Light" panose="020B0403020202020204" pitchFamily="34" charset="0"/>
             </a:endParaRPr>
           </a:p>
           <a:p>
             <a:r>
-              <a:rPr lang="en-US" sz="2000" dirty="0">
-                <a:latin typeface="Helvetica Light" panose="020B0403020202020204" pitchFamily="34" charset="0"/>
-              </a:rPr>
-              <a:t>## This will execute whatever you have saved in that file</a:t>
+              <a:rPr lang="en-US" dirty="0">
+                <a:latin typeface="Helvetica Light" panose="020B0403020202020204" pitchFamily="34" charset="0"/>
+              </a:rPr>
+              <a:t>## This will execute the </a:t>
+            </a:r>
+            <a:r>
+              <a:rPr lang="en-US" dirty="0" err="1">
+                <a:latin typeface="Helvetica Light" panose="020B0403020202020204" pitchFamily="34" charset="0"/>
+              </a:rPr>
+              <a:t>unix</a:t>
+            </a:r>
+            <a:r>
+              <a:rPr lang="en-US" dirty="0">
+                <a:latin typeface="Helvetica Light" panose="020B0403020202020204" pitchFamily="34" charset="0"/>
+              </a:rPr>
+              <a:t> commands you have saved in that file</a:t>
             </a:r>
           </a:p>
         </p:txBody>
@@ -6877,7 +6895,7 @@
         <p:spPr>
           <a:xfrm>
             <a:off x="482545" y="3610525"/>
-            <a:ext cx="8502682" cy="2585323"/>
+            <a:ext cx="8502682" cy="2646878"/>
           </a:xfrm>
           <a:prstGeom prst="rect">
             <a:avLst/>
@@ -6890,10 +6908,16 @@
           <a:lstStyle/>
           <a:p>
             <a:r>
-              <a:rPr lang="en-US" dirty="0">
-                <a:latin typeface="Helvetica Light" panose="020B0403020202020204" pitchFamily="34" charset="0"/>
-              </a:rPr>
-              <a:t>2. Write a shell script (basically the same idea, but preferred for a variety of reasons)</a:t>
+              <a:rPr lang="en-US" sz="2000" b="1" dirty="0">
+                <a:latin typeface="Helvetica Light" panose="020B0403020202020204" pitchFamily="34" charset="0"/>
+              </a:rPr>
+              <a:t>2</a:t>
+            </a:r>
+            <a:r>
+              <a:rPr lang="en-US" sz="2000" dirty="0">
+                <a:latin typeface="Helvetica Light" panose="020B0403020202020204" pitchFamily="34" charset="0"/>
+              </a:rPr>
+              <a:t>. Write a shell script (basically the same idea, but preferred for a variety of reasons)</a:t>
             </a:r>
           </a:p>
           <a:p>
@@ -8014,7 +8038,7 @@
         <p:spPr>
           <a:xfrm>
             <a:off x="374054" y="1124413"/>
-            <a:ext cx="8631152" cy="3139321"/>
+            <a:ext cx="8631152" cy="3477875"/>
           </a:xfrm>
           <a:prstGeom prst="rect">
             <a:avLst/>
@@ -8145,6 +8169,18 @@
                 <a:latin typeface="Helvetica Light" panose="020B0403020202020204" pitchFamily="34" charset="0"/>
               </a:rPr>
               <a:t>Turn in text file with commands from assignment by Sunday evening (each week assignments will be due at this time). </a:t>
+            </a:r>
+            <a:r>
+              <a:rPr lang="en-US" sz="2200" b="1" i="1" dirty="0">
+                <a:latin typeface="Helvetica Light" panose="020B0403020202020204" pitchFamily="34" charset="0"/>
+              </a:rPr>
+              <a:t>Ideally use markdown for this……</a:t>
+            </a:r>
+            <a:r>
+              <a:rPr lang="en-US" sz="2200" dirty="0">
+                <a:latin typeface="Helvetica Light" panose="020B0403020202020204" pitchFamily="34" charset="0"/>
+              </a:rPr>
+              <a:t> </a:t>
             </a:r>
           </a:p>
           <a:p>
@@ -8210,7 +8246,7 @@
         </p:blipFill>
         <p:spPr>
           <a:xfrm>
-            <a:off x="855585" y="4336982"/>
+            <a:off x="855585" y="4347492"/>
             <a:ext cx="7432830" cy="2251197"/>
           </a:xfrm>
           <a:prstGeom prst="rect">
@@ -9326,10 +9362,16 @@
               <a:rPr lang="en-US" sz="2300" dirty="0">
                 <a:latin typeface="Helvetica Light" panose="020B0403020202020204" pitchFamily="34" charset="0"/>
               </a:rPr>
-              <a:t>- Adding “rm –</a:t>
-            </a:r>
-            <a:r>
-              <a:rPr lang="en-US" sz="2300" dirty="0" err="1">
+              <a:t>- Adding “</a:t>
+            </a:r>
+            <a:r>
+              <a:rPr lang="en-US" sz="2300" b="1" dirty="0">
+                <a:latin typeface="Helvetica Light" panose="020B0403020202020204" pitchFamily="34" charset="0"/>
+              </a:rPr>
+              <a:t>rm –</a:t>
+            </a:r>
+            <a:r>
+              <a:rPr lang="en-US" sz="2300" b="1" dirty="0" err="1">
                 <a:latin typeface="Helvetica Light" panose="020B0403020202020204" pitchFamily="34" charset="0"/>
               </a:rPr>
               <a:t>i</a:t>
@@ -9439,7 +9481,19 @@
               <a:rPr lang="en-US" sz="2300" dirty="0">
                 <a:latin typeface="Helvetica Light" panose="020B0403020202020204" pitchFamily="34" charset="0"/>
               </a:rPr>
-              <a:t>- You can also invoke this recursively to delete entire directories and their contents with “</a:t>
+              <a:t>- You can also invoke this recursively to delete </a:t>
+            </a:r>
+            <a:r>
+              <a:rPr lang="en-US" sz="2300" b="1" i="1" dirty="0">
+                <a:latin typeface="Helvetica Light" panose="020B0403020202020204" pitchFamily="34" charset="0"/>
+              </a:rPr>
+              <a:t>entire directories and their contents</a:t>
+            </a:r>
+            <a:r>
+              <a:rPr lang="en-US" sz="2300" dirty="0">
+                <a:latin typeface="Helvetica Light" panose="020B0403020202020204" pitchFamily="34" charset="0"/>
+              </a:rPr>
+              <a:t> with “</a:t>
             </a:r>
             <a:r>
               <a:rPr lang="en-US" sz="2300" b="1" dirty="0">

--- a/week3_unixIII/week3.pptx
+++ b/week3_unixIII/week3.pptx
@@ -3636,7 +3636,7 @@
         <p:spPr>
           <a:xfrm>
             <a:off x="1085307" y="1328474"/>
-            <a:ext cx="6973384" cy="3277820"/>
+            <a:ext cx="7048724" cy="3277820"/>
           </a:xfrm>
           <a:prstGeom prst="rect">
             <a:avLst/>
@@ -3683,7 +3683,13 @@
               <a:rPr lang="en-US" sz="2300" b="1" dirty="0">
                 <a:latin typeface="Helvetica Light" panose="020B0403020202020204" pitchFamily="34" charset="0"/>
               </a:rPr>
-              <a:t>kill</a:t>
+              <a:t>kill, </a:t>
+            </a:r>
+            <a:r>
+              <a:rPr lang="en-US" sz="2300" b="1" dirty="0" err="1">
+                <a:latin typeface="Helvetica Light" panose="020B0403020202020204" pitchFamily="34" charset="0"/>
+              </a:rPr>
+              <a:t>pgrep</a:t>
             </a:r>
             <a:r>
               <a:rPr lang="en-US" sz="2300" dirty="0">
@@ -9307,8 +9313,8 @@
         </p:nvSpPr>
         <p:spPr>
           <a:xfrm>
-            <a:off x="160450" y="268042"/>
-            <a:ext cx="8983550" cy="553998"/>
+            <a:off x="101864" y="185519"/>
+            <a:ext cx="8940268" cy="553998"/>
           </a:xfrm>
           <a:prstGeom prst="rect">
             <a:avLst/>
@@ -9322,10 +9328,10 @@
           <a:lstStyle/>
           <a:p>
             <a:r>
-              <a:rPr lang="en-US" sz="2900" dirty="0">
-                <a:latin typeface="Helvetica Light" panose="020B0403020202020204" pitchFamily="34" charset="0"/>
-              </a:rPr>
-              <a:t>**Additional notes on removing files and directories</a:t>
+              <a:rPr lang="en-US" sz="3000" b="1" dirty="0">
+                <a:latin typeface="Helvetica Light" panose="020B0403020202020204" pitchFamily="34" charset="0"/>
+              </a:rPr>
+              <a:t>Important notes on removing files and directories</a:t>
             </a:r>
           </a:p>
         </p:txBody>
